--- a/report/Capstone_Presentation..pptx
+++ b/report/Capstone_Presentation..pptx
@@ -12583,7 +12583,7 @@
           <a:p>
             <a:fld id="{FD65FA32-347D-48D5-8B61-1D8844B4EE5B}" type="datetimeFigureOut">
               <a:rPr lang="en-US" smtClean="0"/>
-              <a:t>11/1/2020</a:t>
+              <a:t>11/2/2020</a:t>
             </a:fld>
             <a:endParaRPr lang="en-US"/>
           </a:p>
@@ -12781,7 +12781,7 @@
           <a:p>
             <a:fld id="{FD65FA32-347D-48D5-8B61-1D8844B4EE5B}" type="datetimeFigureOut">
               <a:rPr lang="en-US" smtClean="0"/>
-              <a:t>11/1/2020</a:t>
+              <a:t>11/2/2020</a:t>
             </a:fld>
             <a:endParaRPr lang="en-US"/>
           </a:p>
@@ -12989,7 +12989,7 @@
           <a:p>
             <a:fld id="{FD65FA32-347D-48D5-8B61-1D8844B4EE5B}" type="datetimeFigureOut">
               <a:rPr lang="en-US" smtClean="0"/>
-              <a:t>11/1/2020</a:t>
+              <a:t>11/2/2020</a:t>
             </a:fld>
             <a:endParaRPr lang="en-US"/>
           </a:p>
@@ -13187,7 +13187,7 @@
           <a:p>
             <a:fld id="{FD65FA32-347D-48D5-8B61-1D8844B4EE5B}" type="datetimeFigureOut">
               <a:rPr lang="en-US" smtClean="0"/>
-              <a:t>11/1/2020</a:t>
+              <a:t>11/2/2020</a:t>
             </a:fld>
             <a:endParaRPr lang="en-US"/>
           </a:p>
@@ -13462,7 +13462,7 @@
           <a:p>
             <a:fld id="{FD65FA32-347D-48D5-8B61-1D8844B4EE5B}" type="datetimeFigureOut">
               <a:rPr lang="en-US" smtClean="0"/>
-              <a:t>11/1/2020</a:t>
+              <a:t>11/2/2020</a:t>
             </a:fld>
             <a:endParaRPr lang="en-US"/>
           </a:p>
@@ -13727,7 +13727,7 @@
           <a:p>
             <a:fld id="{FD65FA32-347D-48D5-8B61-1D8844B4EE5B}" type="datetimeFigureOut">
               <a:rPr lang="en-US" smtClean="0"/>
-              <a:t>11/1/2020</a:t>
+              <a:t>11/2/2020</a:t>
             </a:fld>
             <a:endParaRPr lang="en-US"/>
           </a:p>
@@ -14139,7 +14139,7 @@
           <a:p>
             <a:fld id="{FD65FA32-347D-48D5-8B61-1D8844B4EE5B}" type="datetimeFigureOut">
               <a:rPr lang="en-US" smtClean="0"/>
-              <a:t>11/1/2020</a:t>
+              <a:t>11/2/2020</a:t>
             </a:fld>
             <a:endParaRPr lang="en-US"/>
           </a:p>
@@ -14280,7 +14280,7 @@
           <a:p>
             <a:fld id="{FD65FA32-347D-48D5-8B61-1D8844B4EE5B}" type="datetimeFigureOut">
               <a:rPr lang="en-US" smtClean="0"/>
-              <a:t>11/1/2020</a:t>
+              <a:t>11/2/2020</a:t>
             </a:fld>
             <a:endParaRPr lang="en-US"/>
           </a:p>
@@ -14393,7 +14393,7 @@
           <a:p>
             <a:fld id="{FD65FA32-347D-48D5-8B61-1D8844B4EE5B}" type="datetimeFigureOut">
               <a:rPr lang="en-US" smtClean="0"/>
-              <a:t>11/1/2020</a:t>
+              <a:t>11/2/2020</a:t>
             </a:fld>
             <a:endParaRPr lang="en-US"/>
           </a:p>
@@ -14704,7 +14704,7 @@
           <a:p>
             <a:fld id="{FD65FA32-347D-48D5-8B61-1D8844B4EE5B}" type="datetimeFigureOut">
               <a:rPr lang="en-US" smtClean="0"/>
-              <a:t>11/1/2020</a:t>
+              <a:t>11/2/2020</a:t>
             </a:fld>
             <a:endParaRPr lang="en-US"/>
           </a:p>
@@ -14992,7 +14992,7 @@
           <a:p>
             <a:fld id="{FD65FA32-347D-48D5-8B61-1D8844B4EE5B}" type="datetimeFigureOut">
               <a:rPr lang="en-US" smtClean="0"/>
-              <a:t>11/1/2020</a:t>
+              <a:t>11/2/2020</a:t>
             </a:fld>
             <a:endParaRPr lang="en-US"/>
           </a:p>
@@ -15233,7 +15233,7 @@
           <a:p>
             <a:fld id="{FD65FA32-347D-48D5-8B61-1D8844B4EE5B}" type="datetimeFigureOut">
               <a:rPr lang="en-US" smtClean="0"/>
-              <a:t>11/1/2020</a:t>
+              <a:t>11/2/2020</a:t>
             </a:fld>
             <a:endParaRPr lang="en-US"/>
           </a:p>
@@ -16080,6 +16080,13 @@
               <a:rPr lang="en-US" sz="2800" dirty="0"/>
               <a:t>Random Forest with over sampling (SMOTE) and Feature Binning performs the best.</a:t>
             </a:r>
+          </a:p>
+          <a:p>
+            <a:r>
+              <a:rPr lang="en-US" dirty="0"/>
+              <a:t>F1 Score of 72</a:t>
+            </a:r>
+            <a:endParaRPr lang="en-US" sz="2800" dirty="0"/>
           </a:p>
           <a:p>
             <a:pPr marL="0" indent="0">
@@ -17120,14 +17127,14 @@
             <p:ph sz="half" idx="1"/>
             <p:extLst>
               <p:ext uri="{D42A27DB-BD31-4B8C-83A1-F6EECF244321}">
-                <p14:modId xmlns:p14="http://schemas.microsoft.com/office/powerpoint/2010/main" val="784549057"/>
+                <p14:modId xmlns:p14="http://schemas.microsoft.com/office/powerpoint/2010/main" val="3736743640"/>
               </p:ext>
             </p:extLst>
           </p:nvPr>
         </p:nvGraphicFramePr>
         <p:xfrm>
           <a:off x="838195" y="1825625"/>
-          <a:ext cx="10515601" cy="2362062"/>
+          <a:ext cx="10704449" cy="2534338"/>
         </p:xfrm>
         <a:graphic>
           <a:graphicData uri="http://schemas.openxmlformats.org/drawingml/2006/table">
@@ -17136,49 +17143,49 @@
                 <a:tableStyleId>{69012ECD-51FC-41F1-AA8D-1B2483CD663E}</a:tableStyleId>
               </a:tblPr>
               <a:tblGrid>
-                <a:gridCol w="1743080">
+                <a:gridCol w="1774384">
                   <a:extLst>
                     <a:ext uri="{9D8B030D-6E8A-4147-A177-3AD203B41FA5}">
                       <a16:colId xmlns:a16="http://schemas.microsoft.com/office/drawing/2014/main" val="2033856716"/>
                     </a:ext>
                   </a:extLst>
                 </a:gridCol>
-                <a:gridCol w="1199641">
+                <a:gridCol w="1221185">
                   <a:extLst>
                     <a:ext uri="{9D8B030D-6E8A-4147-A177-3AD203B41FA5}">
                       <a16:colId xmlns:a16="http://schemas.microsoft.com/office/drawing/2014/main" val="2591673733"/>
                     </a:ext>
                   </a:extLst>
                 </a:gridCol>
-                <a:gridCol w="1514576">
+                <a:gridCol w="1541776">
                   <a:extLst>
                     <a:ext uri="{9D8B030D-6E8A-4147-A177-3AD203B41FA5}">
                       <a16:colId xmlns:a16="http://schemas.microsoft.com/office/drawing/2014/main" val="3605425140"/>
                     </a:ext>
                   </a:extLst>
                 </a:gridCol>
-                <a:gridCol w="1514576">
+                <a:gridCol w="1541776">
                   <a:extLst>
                     <a:ext uri="{9D8B030D-6E8A-4147-A177-3AD203B41FA5}">
                       <a16:colId xmlns:a16="http://schemas.microsoft.com/office/drawing/2014/main" val="3702586707"/>
                     </a:ext>
                   </a:extLst>
                 </a:gridCol>
-                <a:gridCol w="1514576">
+                <a:gridCol w="1541776">
                   <a:extLst>
                     <a:ext uri="{9D8B030D-6E8A-4147-A177-3AD203B41FA5}">
                       <a16:colId xmlns:a16="http://schemas.microsoft.com/office/drawing/2014/main" val="3715689932"/>
                     </a:ext>
                   </a:extLst>
                 </a:gridCol>
-                <a:gridCol w="1514576">
+                <a:gridCol w="1541776">
                   <a:extLst>
                     <a:ext uri="{9D8B030D-6E8A-4147-A177-3AD203B41FA5}">
                       <a16:colId xmlns:a16="http://schemas.microsoft.com/office/drawing/2014/main" val="2961945283"/>
                     </a:ext>
                   </a:extLst>
                 </a:gridCol>
-                <a:gridCol w="1514576">
+                <a:gridCol w="1541776">
                   <a:extLst>
                     <a:ext uri="{9D8B030D-6E8A-4147-A177-3AD203B41FA5}">
                       <a16:colId xmlns:a16="http://schemas.microsoft.com/office/drawing/2014/main" val="798639154"/>
@@ -17186,7 +17193,7 @@
                   </a:extLst>
                 </a:gridCol>
               </a:tblGrid>
-              <a:tr h="250237">
+              <a:tr h="268488">
                 <a:tc>
                   <a:txBody>
                     <a:bodyPr/>
@@ -17348,7 +17355,7 @@
                   </a:ext>
                 </a:extLst>
               </a:tr>
-              <a:tr h="422365">
+              <a:tr h="453170">
                 <a:tc>
                   <a:txBody>
                     <a:bodyPr/>
@@ -17510,7 +17517,7 @@
                   </a:ext>
                 </a:extLst>
               </a:tr>
-              <a:tr h="422365">
+              <a:tr h="453170">
                 <a:tc>
                   <a:txBody>
                     <a:bodyPr/>
@@ -17667,7 +17674,7 @@
                   </a:ext>
                 </a:extLst>
               </a:tr>
-              <a:tr h="422365">
+              <a:tr h="453170">
                 <a:tc>
                   <a:txBody>
                     <a:bodyPr/>
@@ -17824,7 +17831,7 @@
                   </a:ext>
                 </a:extLst>
               </a:tr>
-              <a:tr h="422365">
+              <a:tr h="453170">
                 <a:tc>
                   <a:txBody>
                     <a:bodyPr/>
@@ -17981,7 +17988,7 @@
                   </a:ext>
                 </a:extLst>
               </a:tr>
-              <a:tr h="422365">
+              <a:tr h="453170">
                 <a:tc>
                   <a:txBody>
                     <a:bodyPr/>
